--- a/Week_4/BigData.pptx
+++ b/Week_4/BigData.pptx
@@ -36634,7 +36634,7 @@
                   <a:schemeClr val="bg1"/>
                 </a:solidFill>
               </a:rPr>
-              <a:t>Semi-Structured – JOSN or XML</a:t>
+              <a:t>Semi-Structured – JSON or XML</a:t>
             </a:r>
           </a:p>
           <a:p>
@@ -38918,13 +38918,18 @@
               <a:buChar char="-"/>
             </a:pPr>
             <a:r>
-              <a:rPr lang="en-US" dirty="0">
+              <a:rPr lang="en-US" dirty="0" err="1">
                 <a:solidFill>
                   <a:schemeClr val="bg1"/>
                 </a:solidFill>
               </a:rPr>
-              <a:t>Fast SQL</a:t>
+              <a:t>SnowSQL</a:t>
             </a:r>
+            <a:endParaRPr lang="en-US" dirty="0">
+              <a:solidFill>
+                <a:schemeClr val="bg1"/>
+              </a:solidFill>
+            </a:endParaRPr>
           </a:p>
           <a:p>
             <a:pPr marL="274320" lvl="2" indent="0">
